--- a/test/bootstrap_to_pptx/v6/demo_v667.pptx
+++ b/test/bootstrap_to_pptx/v6/demo_v667.pptx
@@ -3090,523 +3090,7 @@
       <p:grpSpPr/>
       <p:sp>
         <p:nvSpPr>
-          <p:cNvPr id="2" name="Rectangle 1"/>
-          <p:cNvSpPr/>
-          <p:nvPr/>
-        </p:nvSpPr>
-        <p:spPr>
-          <a:xfrm>
-            <a:off x="640080" y="640080"/>
-            <a:ext cx="724890" cy="5577840"/>
-          </a:xfrm>
-          <a:prstGeom prst="rect">
-            <a:avLst/>
-          </a:prstGeom>
-          <a:solidFill>
-            <a:srgbClr val="F8F9FA"/>
-          </a:solidFill>
-          <a:ln>
-            <a:noFill/>
-          </a:ln>
-        </p:spPr>
-        <p:style>
-          <a:lnRef idx="1">
-            <a:schemeClr val="accent1"/>
-          </a:lnRef>
-          <a:fillRef idx="3">
-            <a:schemeClr val="accent1"/>
-          </a:fillRef>
-          <a:effectRef idx="2">
-            <a:schemeClr val="accent1"/>
-          </a:effectRef>
-          <a:fontRef idx="minor">
-            <a:schemeClr val="lt1"/>
-          </a:fontRef>
-        </p:style>
-        <p:txBody>
-          <a:bodyPr rtlCol="0" anchor="ctr"/>
-          <a:lstStyle/>
-          <a:p>
-            <a:pPr algn="ctr"/>
-          </a:p>
-        </p:txBody>
-      </p:sp>
-      <p:sp>
-        <p:nvSpPr>
-          <p:cNvPr id="3" name="Rectangle 2"/>
-          <p:cNvSpPr/>
-          <p:nvPr/>
-        </p:nvSpPr>
-        <p:spPr>
-          <a:xfrm>
-            <a:off x="1566138" y="640080"/>
-            <a:ext cx="724890" cy="5577840"/>
-          </a:xfrm>
-          <a:prstGeom prst="rect">
-            <a:avLst/>
-          </a:prstGeom>
-          <a:solidFill>
-            <a:srgbClr val="F8F9FA"/>
-          </a:solidFill>
-          <a:ln>
-            <a:noFill/>
-          </a:ln>
-        </p:spPr>
-        <p:style>
-          <a:lnRef idx="1">
-            <a:schemeClr val="accent1"/>
-          </a:lnRef>
-          <a:fillRef idx="3">
-            <a:schemeClr val="accent1"/>
-          </a:fillRef>
-          <a:effectRef idx="2">
-            <a:schemeClr val="accent1"/>
-          </a:effectRef>
-          <a:fontRef idx="minor">
-            <a:schemeClr val="lt1"/>
-          </a:fontRef>
-        </p:style>
-        <p:txBody>
-          <a:bodyPr rtlCol="0" anchor="ctr"/>
-          <a:lstStyle/>
-          <a:p>
-            <a:pPr algn="ctr"/>
-          </a:p>
-        </p:txBody>
-      </p:sp>
-      <p:sp>
-        <p:nvSpPr>
-          <p:cNvPr id="4" name="Rectangle 3"/>
-          <p:cNvSpPr/>
-          <p:nvPr/>
-        </p:nvSpPr>
-        <p:spPr>
-          <a:xfrm>
-            <a:off x="2492197" y="640080"/>
-            <a:ext cx="724890" cy="5577840"/>
-          </a:xfrm>
-          <a:prstGeom prst="rect">
-            <a:avLst/>
-          </a:prstGeom>
-          <a:solidFill>
-            <a:srgbClr val="F8F9FA"/>
-          </a:solidFill>
-          <a:ln>
-            <a:noFill/>
-          </a:ln>
-        </p:spPr>
-        <p:style>
-          <a:lnRef idx="1">
-            <a:schemeClr val="accent1"/>
-          </a:lnRef>
-          <a:fillRef idx="3">
-            <a:schemeClr val="accent1"/>
-          </a:fillRef>
-          <a:effectRef idx="2">
-            <a:schemeClr val="accent1"/>
-          </a:effectRef>
-          <a:fontRef idx="minor">
-            <a:schemeClr val="lt1"/>
-          </a:fontRef>
-        </p:style>
-        <p:txBody>
-          <a:bodyPr rtlCol="0" anchor="ctr"/>
-          <a:lstStyle/>
-          <a:p>
-            <a:pPr algn="ctr"/>
-          </a:p>
-        </p:txBody>
-      </p:sp>
-      <p:sp>
-        <p:nvSpPr>
-          <p:cNvPr id="5" name="Rectangle 4"/>
-          <p:cNvSpPr/>
-          <p:nvPr/>
-        </p:nvSpPr>
-        <p:spPr>
-          <a:xfrm>
-            <a:off x="3418255" y="640080"/>
-            <a:ext cx="724890" cy="5577840"/>
-          </a:xfrm>
-          <a:prstGeom prst="rect">
-            <a:avLst/>
-          </a:prstGeom>
-          <a:solidFill>
-            <a:srgbClr val="F8F9FA"/>
-          </a:solidFill>
-          <a:ln>
-            <a:noFill/>
-          </a:ln>
-        </p:spPr>
-        <p:style>
-          <a:lnRef idx="1">
-            <a:schemeClr val="accent1"/>
-          </a:lnRef>
-          <a:fillRef idx="3">
-            <a:schemeClr val="accent1"/>
-          </a:fillRef>
-          <a:effectRef idx="2">
-            <a:schemeClr val="accent1"/>
-          </a:effectRef>
-          <a:fontRef idx="minor">
-            <a:schemeClr val="lt1"/>
-          </a:fontRef>
-        </p:style>
-        <p:txBody>
-          <a:bodyPr rtlCol="0" anchor="ctr"/>
-          <a:lstStyle/>
-          <a:p>
-            <a:pPr algn="ctr"/>
-          </a:p>
-        </p:txBody>
-      </p:sp>
-      <p:sp>
-        <p:nvSpPr>
-          <p:cNvPr id="6" name="Rectangle 5"/>
-          <p:cNvSpPr/>
-          <p:nvPr/>
-        </p:nvSpPr>
-        <p:spPr>
-          <a:xfrm>
-            <a:off x="4344314" y="640080"/>
-            <a:ext cx="724890" cy="5577840"/>
-          </a:xfrm>
-          <a:prstGeom prst="rect">
-            <a:avLst/>
-          </a:prstGeom>
-          <a:solidFill>
-            <a:srgbClr val="F8F9FA"/>
-          </a:solidFill>
-          <a:ln>
-            <a:noFill/>
-          </a:ln>
-        </p:spPr>
-        <p:style>
-          <a:lnRef idx="1">
-            <a:schemeClr val="accent1"/>
-          </a:lnRef>
-          <a:fillRef idx="3">
-            <a:schemeClr val="accent1"/>
-          </a:fillRef>
-          <a:effectRef idx="2">
-            <a:schemeClr val="accent1"/>
-          </a:effectRef>
-          <a:fontRef idx="minor">
-            <a:schemeClr val="lt1"/>
-          </a:fontRef>
-        </p:style>
-        <p:txBody>
-          <a:bodyPr rtlCol="0" anchor="ctr"/>
-          <a:lstStyle/>
-          <a:p>
-            <a:pPr algn="ctr"/>
-          </a:p>
-        </p:txBody>
-      </p:sp>
-      <p:sp>
-        <p:nvSpPr>
-          <p:cNvPr id="7" name="Rectangle 6"/>
-          <p:cNvSpPr/>
-          <p:nvPr/>
-        </p:nvSpPr>
-        <p:spPr>
-          <a:xfrm>
-            <a:off x="5270373" y="640080"/>
-            <a:ext cx="724890" cy="5577840"/>
-          </a:xfrm>
-          <a:prstGeom prst="rect">
-            <a:avLst/>
-          </a:prstGeom>
-          <a:solidFill>
-            <a:srgbClr val="F8F9FA"/>
-          </a:solidFill>
-          <a:ln>
-            <a:noFill/>
-          </a:ln>
-        </p:spPr>
-        <p:style>
-          <a:lnRef idx="1">
-            <a:schemeClr val="accent1"/>
-          </a:lnRef>
-          <a:fillRef idx="3">
-            <a:schemeClr val="accent1"/>
-          </a:fillRef>
-          <a:effectRef idx="2">
-            <a:schemeClr val="accent1"/>
-          </a:effectRef>
-          <a:fontRef idx="minor">
-            <a:schemeClr val="lt1"/>
-          </a:fontRef>
-        </p:style>
-        <p:txBody>
-          <a:bodyPr rtlCol="0" anchor="ctr"/>
-          <a:lstStyle/>
-          <a:p>
-            <a:pPr algn="ctr"/>
-          </a:p>
-        </p:txBody>
-      </p:sp>
-      <p:sp>
-        <p:nvSpPr>
-          <p:cNvPr id="8" name="Rectangle 7"/>
-          <p:cNvSpPr/>
-          <p:nvPr/>
-        </p:nvSpPr>
-        <p:spPr>
-          <a:xfrm>
-            <a:off x="6196431" y="640080"/>
-            <a:ext cx="724890" cy="5577840"/>
-          </a:xfrm>
-          <a:prstGeom prst="rect">
-            <a:avLst/>
-          </a:prstGeom>
-          <a:solidFill>
-            <a:srgbClr val="F8F9FA"/>
-          </a:solidFill>
-          <a:ln>
-            <a:noFill/>
-          </a:ln>
-        </p:spPr>
-        <p:style>
-          <a:lnRef idx="1">
-            <a:schemeClr val="accent1"/>
-          </a:lnRef>
-          <a:fillRef idx="3">
-            <a:schemeClr val="accent1"/>
-          </a:fillRef>
-          <a:effectRef idx="2">
-            <a:schemeClr val="accent1"/>
-          </a:effectRef>
-          <a:fontRef idx="minor">
-            <a:schemeClr val="lt1"/>
-          </a:fontRef>
-        </p:style>
-        <p:txBody>
-          <a:bodyPr rtlCol="0" anchor="ctr"/>
-          <a:lstStyle/>
-          <a:p>
-            <a:pPr algn="ctr"/>
-          </a:p>
-        </p:txBody>
-      </p:sp>
-      <p:sp>
-        <p:nvSpPr>
-          <p:cNvPr id="9" name="Rectangle 8"/>
-          <p:cNvSpPr/>
-          <p:nvPr/>
-        </p:nvSpPr>
-        <p:spPr>
-          <a:xfrm>
-            <a:off x="7122490" y="640080"/>
-            <a:ext cx="724890" cy="5577840"/>
-          </a:xfrm>
-          <a:prstGeom prst="rect">
-            <a:avLst/>
-          </a:prstGeom>
-          <a:solidFill>
-            <a:srgbClr val="F8F9FA"/>
-          </a:solidFill>
-          <a:ln>
-            <a:noFill/>
-          </a:ln>
-        </p:spPr>
-        <p:style>
-          <a:lnRef idx="1">
-            <a:schemeClr val="accent1"/>
-          </a:lnRef>
-          <a:fillRef idx="3">
-            <a:schemeClr val="accent1"/>
-          </a:fillRef>
-          <a:effectRef idx="2">
-            <a:schemeClr val="accent1"/>
-          </a:effectRef>
-          <a:fontRef idx="minor">
-            <a:schemeClr val="lt1"/>
-          </a:fontRef>
-        </p:style>
-        <p:txBody>
-          <a:bodyPr rtlCol="0" anchor="ctr"/>
-          <a:lstStyle/>
-          <a:p>
-            <a:pPr algn="ctr"/>
-          </a:p>
-        </p:txBody>
-      </p:sp>
-      <p:sp>
-        <p:nvSpPr>
-          <p:cNvPr id="10" name="Rectangle 9"/>
-          <p:cNvSpPr/>
-          <p:nvPr/>
-        </p:nvSpPr>
-        <p:spPr>
-          <a:xfrm>
-            <a:off x="8048548" y="640080"/>
-            <a:ext cx="724890" cy="5577840"/>
-          </a:xfrm>
-          <a:prstGeom prst="rect">
-            <a:avLst/>
-          </a:prstGeom>
-          <a:solidFill>
-            <a:srgbClr val="F8F9FA"/>
-          </a:solidFill>
-          <a:ln>
-            <a:noFill/>
-          </a:ln>
-        </p:spPr>
-        <p:style>
-          <a:lnRef idx="1">
-            <a:schemeClr val="accent1"/>
-          </a:lnRef>
-          <a:fillRef idx="3">
-            <a:schemeClr val="accent1"/>
-          </a:fillRef>
-          <a:effectRef idx="2">
-            <a:schemeClr val="accent1"/>
-          </a:effectRef>
-          <a:fontRef idx="minor">
-            <a:schemeClr val="lt1"/>
-          </a:fontRef>
-        </p:style>
-        <p:txBody>
-          <a:bodyPr rtlCol="0" anchor="ctr"/>
-          <a:lstStyle/>
-          <a:p>
-            <a:pPr algn="ctr"/>
-          </a:p>
-        </p:txBody>
-      </p:sp>
-      <p:sp>
-        <p:nvSpPr>
-          <p:cNvPr id="11" name="Rectangle 10"/>
-          <p:cNvSpPr/>
-          <p:nvPr/>
-        </p:nvSpPr>
-        <p:spPr>
-          <a:xfrm>
-            <a:off x="8974607" y="640080"/>
-            <a:ext cx="724890" cy="5577840"/>
-          </a:xfrm>
-          <a:prstGeom prst="rect">
-            <a:avLst/>
-          </a:prstGeom>
-          <a:solidFill>
-            <a:srgbClr val="F8F9FA"/>
-          </a:solidFill>
-          <a:ln>
-            <a:noFill/>
-          </a:ln>
-        </p:spPr>
-        <p:style>
-          <a:lnRef idx="1">
-            <a:schemeClr val="accent1"/>
-          </a:lnRef>
-          <a:fillRef idx="3">
-            <a:schemeClr val="accent1"/>
-          </a:fillRef>
-          <a:effectRef idx="2">
-            <a:schemeClr val="accent1"/>
-          </a:effectRef>
-          <a:fontRef idx="minor">
-            <a:schemeClr val="lt1"/>
-          </a:fontRef>
-        </p:style>
-        <p:txBody>
-          <a:bodyPr rtlCol="0" anchor="ctr"/>
-          <a:lstStyle/>
-          <a:p>
-            <a:pPr algn="ctr"/>
-          </a:p>
-        </p:txBody>
-      </p:sp>
-      <p:sp>
-        <p:nvSpPr>
-          <p:cNvPr id="12" name="Rectangle 11"/>
-          <p:cNvSpPr/>
-          <p:nvPr/>
-        </p:nvSpPr>
-        <p:spPr>
-          <a:xfrm>
-            <a:off x="9900666" y="640080"/>
-            <a:ext cx="724890" cy="5577840"/>
-          </a:xfrm>
-          <a:prstGeom prst="rect">
-            <a:avLst/>
-          </a:prstGeom>
-          <a:solidFill>
-            <a:srgbClr val="F8F9FA"/>
-          </a:solidFill>
-          <a:ln>
-            <a:noFill/>
-          </a:ln>
-        </p:spPr>
-        <p:style>
-          <a:lnRef idx="1">
-            <a:schemeClr val="accent1"/>
-          </a:lnRef>
-          <a:fillRef idx="3">
-            <a:schemeClr val="accent1"/>
-          </a:fillRef>
-          <a:effectRef idx="2">
-            <a:schemeClr val="accent1"/>
-          </a:effectRef>
-          <a:fontRef idx="minor">
-            <a:schemeClr val="lt1"/>
-          </a:fontRef>
-        </p:style>
-        <p:txBody>
-          <a:bodyPr rtlCol="0" anchor="ctr"/>
-          <a:lstStyle/>
-          <a:p>
-            <a:pPr algn="ctr"/>
-          </a:p>
-        </p:txBody>
-      </p:sp>
-      <p:sp>
-        <p:nvSpPr>
-          <p:cNvPr id="13" name="Rectangle 12"/>
-          <p:cNvSpPr/>
-          <p:nvPr/>
-        </p:nvSpPr>
-        <p:spPr>
-          <a:xfrm>
-            <a:off x="10826724" y="640080"/>
-            <a:ext cx="724890" cy="5577840"/>
-          </a:xfrm>
-          <a:prstGeom prst="rect">
-            <a:avLst/>
-          </a:prstGeom>
-          <a:solidFill>
-            <a:srgbClr val="F8F9FA"/>
-          </a:solidFill>
-          <a:ln>
-            <a:noFill/>
-          </a:ln>
-        </p:spPr>
-        <p:style>
-          <a:lnRef idx="1">
-            <a:schemeClr val="accent1"/>
-          </a:lnRef>
-          <a:fillRef idx="3">
-            <a:schemeClr val="accent1"/>
-          </a:fillRef>
-          <a:effectRef idx="2">
-            <a:schemeClr val="accent1"/>
-          </a:effectRef>
-          <a:fontRef idx="minor">
-            <a:schemeClr val="lt1"/>
-          </a:fontRef>
-        </p:style>
-        <p:txBody>
-          <a:bodyPr rtlCol="0" anchor="ctr"/>
-          <a:lstStyle/>
-          <a:p>
-            <a:pPr algn="ctr"/>
-          </a:p>
-        </p:txBody>
-      </p:sp>
-      <p:sp>
-        <p:nvSpPr>
-          <p:cNvPr id="14" name="Rounded Rectangle 13"/>
+          <p:cNvPr id="2" name="Col_span6_off0"/>
           <p:cNvSpPr/>
           <p:nvPr/>
         </p:nvSpPr>
@@ -3653,7 +3137,7 @@
       </p:sp>
       <p:sp>
         <p:nvSpPr>
-          <p:cNvPr id="15" name="TextBox 14"/>
+          <p:cNvPr id="3" name="TextBox 2"/>
           <p:cNvSpPr txBox="1"/>
           <p:nvPr/>
         </p:nvSpPr>
@@ -3688,50 +3172,7 @@
       </p:sp>
       <p:sp>
         <p:nvSpPr>
-          <p:cNvPr id="16" name="Rectangle 15"/>
-          <p:cNvSpPr/>
-          <p:nvPr/>
-        </p:nvSpPr>
-        <p:spPr>
-          <a:xfrm>
-            <a:off x="640080" y="2103120"/>
-            <a:ext cx="5355183" cy="1645920"/>
-          </a:xfrm>
-          <a:prstGeom prst="rect">
-            <a:avLst/>
-          </a:prstGeom>
-          <a:noFill/>
-          <a:ln w="18288">
-            <a:solidFill>
-              <a:srgbClr val="2255AA"/>
-            </a:solidFill>
-          </a:ln>
-        </p:spPr>
-        <p:style>
-          <a:lnRef idx="1">
-            <a:schemeClr val="accent1"/>
-          </a:lnRef>
-          <a:fillRef idx="3">
-            <a:schemeClr val="accent1"/>
-          </a:fillRef>
-          <a:effectRef idx="2">
-            <a:schemeClr val="accent1"/>
-          </a:effectRef>
-          <a:fontRef idx="minor">
-            <a:schemeClr val="lt1"/>
-          </a:fontRef>
-        </p:style>
-        <p:txBody>
-          <a:bodyPr rtlCol="0" anchor="ctr"/>
-          <a:lstStyle/>
-          <a:p>
-            <a:pPr algn="ctr"/>
-          </a:p>
-        </p:txBody>
-      </p:sp>
-      <p:sp>
-        <p:nvSpPr>
-          <p:cNvPr id="17" name="Rounded Rectangle 16"/>
+          <p:cNvPr id="4" name="Col_span6_off0"/>
           <p:cNvSpPr/>
           <p:nvPr/>
         </p:nvSpPr>
@@ -3778,7 +3219,7 @@
       </p:sp>
       <p:sp>
         <p:nvSpPr>
-          <p:cNvPr id="18" name="TextBox 17"/>
+          <p:cNvPr id="5" name="TextBox 4"/>
           <p:cNvSpPr txBox="1"/>
           <p:nvPr/>
         </p:nvSpPr>
@@ -3813,50 +3254,7 @@
       </p:sp>
       <p:sp>
         <p:nvSpPr>
-          <p:cNvPr id="19" name="Rectangle 18"/>
-          <p:cNvSpPr/>
-          <p:nvPr/>
-        </p:nvSpPr>
-        <p:spPr>
-          <a:xfrm>
-            <a:off x="6196431" y="2103120"/>
-            <a:ext cx="5355183" cy="1645920"/>
-          </a:xfrm>
-          <a:prstGeom prst="rect">
-            <a:avLst/>
-          </a:prstGeom>
-          <a:noFill/>
-          <a:ln w="18288">
-            <a:solidFill>
-              <a:srgbClr val="2255AA"/>
-            </a:solidFill>
-          </a:ln>
-        </p:spPr>
-        <p:style>
-          <a:lnRef idx="1">
-            <a:schemeClr val="accent1"/>
-          </a:lnRef>
-          <a:fillRef idx="3">
-            <a:schemeClr val="accent1"/>
-          </a:fillRef>
-          <a:effectRef idx="2">
-            <a:schemeClr val="accent1"/>
-          </a:effectRef>
-          <a:fontRef idx="minor">
-            <a:schemeClr val="lt1"/>
-          </a:fontRef>
-        </p:style>
-        <p:txBody>
-          <a:bodyPr rtlCol="0" anchor="ctr"/>
-          <a:lstStyle/>
-          <a:p>
-            <a:pPr algn="ctr"/>
-          </a:p>
-        </p:txBody>
-      </p:sp>
-      <p:sp>
-        <p:nvSpPr>
-          <p:cNvPr id="20" name="Rounded Rectangle 19"/>
+          <p:cNvPr id="6" name="Col_span4_off0"/>
           <p:cNvSpPr/>
           <p:nvPr/>
         </p:nvSpPr>
@@ -3903,7 +3301,7 @@
       </p:sp>
       <p:sp>
         <p:nvSpPr>
-          <p:cNvPr id="21" name="TextBox 20"/>
+          <p:cNvPr id="7" name="TextBox 6"/>
           <p:cNvSpPr txBox="1"/>
           <p:nvPr/>
         </p:nvSpPr>
@@ -3938,50 +3336,7 @@
       </p:sp>
       <p:sp>
         <p:nvSpPr>
-          <p:cNvPr id="22" name="Rectangle 21"/>
-          <p:cNvSpPr/>
-          <p:nvPr/>
-        </p:nvSpPr>
-        <p:spPr>
-          <a:xfrm>
-            <a:off x="640080" y="2103120"/>
-            <a:ext cx="1719241" cy="1645920"/>
-          </a:xfrm>
-          <a:prstGeom prst="rect">
-            <a:avLst/>
-          </a:prstGeom>
-          <a:noFill/>
-          <a:ln w="18288">
-            <a:solidFill>
-              <a:srgbClr val="2255AA"/>
-            </a:solidFill>
-          </a:ln>
-        </p:spPr>
-        <p:style>
-          <a:lnRef idx="1">
-            <a:schemeClr val="accent1"/>
-          </a:lnRef>
-          <a:fillRef idx="3">
-            <a:schemeClr val="accent1"/>
-          </a:fillRef>
-          <a:effectRef idx="2">
-            <a:schemeClr val="accent1"/>
-          </a:effectRef>
-          <a:fontRef idx="minor">
-            <a:schemeClr val="lt1"/>
-          </a:fontRef>
-        </p:style>
-        <p:txBody>
-          <a:bodyPr rtlCol="0" anchor="ctr"/>
-          <a:lstStyle/>
-          <a:p>
-            <a:pPr algn="ctr"/>
-          </a:p>
-        </p:txBody>
-      </p:sp>
-      <p:sp>
-        <p:nvSpPr>
-          <p:cNvPr id="23" name="Rounded Rectangle 22"/>
+          <p:cNvPr id="8" name="Col_span4_off0"/>
           <p:cNvSpPr/>
           <p:nvPr/>
         </p:nvSpPr>
@@ -4028,7 +3383,7 @@
       </p:sp>
       <p:sp>
         <p:nvSpPr>
-          <p:cNvPr id="24" name="TextBox 23"/>
+          <p:cNvPr id="9" name="TextBox 8"/>
           <p:cNvSpPr txBox="1"/>
           <p:nvPr/>
         </p:nvSpPr>
@@ -4063,50 +3418,7 @@
       </p:sp>
       <p:sp>
         <p:nvSpPr>
-          <p:cNvPr id="25" name="Rectangle 24"/>
-          <p:cNvSpPr/>
-          <p:nvPr/>
-        </p:nvSpPr>
-        <p:spPr>
-          <a:xfrm>
-            <a:off x="2458051" y="2103120"/>
-            <a:ext cx="1719241" cy="1645920"/>
-          </a:xfrm>
-          <a:prstGeom prst="rect">
-            <a:avLst/>
-          </a:prstGeom>
-          <a:noFill/>
-          <a:ln w="18288">
-            <a:solidFill>
-              <a:srgbClr val="2255AA"/>
-            </a:solidFill>
-          </a:ln>
-        </p:spPr>
-        <p:style>
-          <a:lnRef idx="1">
-            <a:schemeClr val="accent1"/>
-          </a:lnRef>
-          <a:fillRef idx="3">
-            <a:schemeClr val="accent1"/>
-          </a:fillRef>
-          <a:effectRef idx="2">
-            <a:schemeClr val="accent1"/>
-          </a:effectRef>
-          <a:fontRef idx="minor">
-            <a:schemeClr val="lt1"/>
-          </a:fontRef>
-        </p:style>
-        <p:txBody>
-          <a:bodyPr rtlCol="0" anchor="ctr"/>
-          <a:lstStyle/>
-          <a:p>
-            <a:pPr algn="ctr"/>
-          </a:p>
-        </p:txBody>
-      </p:sp>
-      <p:sp>
-        <p:nvSpPr>
-          <p:cNvPr id="26" name="Rounded Rectangle 25"/>
+          <p:cNvPr id="10" name="Col_span4_off0"/>
           <p:cNvSpPr/>
           <p:nvPr/>
         </p:nvSpPr>
@@ -4153,7 +3465,7 @@
       </p:sp>
       <p:sp>
         <p:nvSpPr>
-          <p:cNvPr id="27" name="TextBox 26"/>
+          <p:cNvPr id="11" name="TextBox 10"/>
           <p:cNvSpPr txBox="1"/>
           <p:nvPr/>
         </p:nvSpPr>
@@ -4188,50 +3500,7 @@
       </p:sp>
       <p:sp>
         <p:nvSpPr>
-          <p:cNvPr id="28" name="Rectangle 27"/>
-          <p:cNvSpPr/>
-          <p:nvPr/>
-        </p:nvSpPr>
-        <p:spPr>
-          <a:xfrm>
-            <a:off x="4276022" y="2103120"/>
-            <a:ext cx="1719241" cy="1645920"/>
-          </a:xfrm>
-          <a:prstGeom prst="rect">
-            <a:avLst/>
-          </a:prstGeom>
-          <a:noFill/>
-          <a:ln w="18288">
-            <a:solidFill>
-              <a:srgbClr val="2255AA"/>
-            </a:solidFill>
-          </a:ln>
-        </p:spPr>
-        <p:style>
-          <a:lnRef idx="1">
-            <a:schemeClr val="accent1"/>
-          </a:lnRef>
-          <a:fillRef idx="3">
-            <a:schemeClr val="accent1"/>
-          </a:fillRef>
-          <a:effectRef idx="2">
-            <a:schemeClr val="accent1"/>
-          </a:effectRef>
-          <a:fontRef idx="minor">
-            <a:schemeClr val="lt1"/>
-          </a:fontRef>
-        </p:style>
-        <p:txBody>
-          <a:bodyPr rtlCol="0" anchor="ctr"/>
-          <a:lstStyle/>
-          <a:p>
-            <a:pPr algn="ctr"/>
-          </a:p>
-        </p:txBody>
-      </p:sp>
-      <p:sp>
-        <p:nvSpPr>
-          <p:cNvPr id="29" name="Rounded Rectangle 28"/>
+          <p:cNvPr id="12" name="Col_span4_off0"/>
           <p:cNvSpPr/>
           <p:nvPr/>
         </p:nvSpPr>
@@ -4278,7 +3547,7 @@
       </p:sp>
       <p:sp>
         <p:nvSpPr>
-          <p:cNvPr id="30" name="TextBox 29"/>
+          <p:cNvPr id="13" name="TextBox 12"/>
           <p:cNvSpPr txBox="1"/>
           <p:nvPr/>
         </p:nvSpPr>
@@ -4313,50 +3582,7 @@
       </p:sp>
       <p:sp>
         <p:nvSpPr>
-          <p:cNvPr id="31" name="Rectangle 30"/>
-          <p:cNvSpPr/>
-          <p:nvPr/>
-        </p:nvSpPr>
-        <p:spPr>
-          <a:xfrm>
-            <a:off x="6196431" y="2103120"/>
-            <a:ext cx="1719241" cy="1645920"/>
-          </a:xfrm>
-          <a:prstGeom prst="rect">
-            <a:avLst/>
-          </a:prstGeom>
-          <a:noFill/>
-          <a:ln w="18288">
-            <a:solidFill>
-              <a:srgbClr val="2255AA"/>
-            </a:solidFill>
-          </a:ln>
-        </p:spPr>
-        <p:style>
-          <a:lnRef idx="1">
-            <a:schemeClr val="accent1"/>
-          </a:lnRef>
-          <a:fillRef idx="3">
-            <a:schemeClr val="accent1"/>
-          </a:fillRef>
-          <a:effectRef idx="2">
-            <a:schemeClr val="accent1"/>
-          </a:effectRef>
-          <a:fontRef idx="minor">
-            <a:schemeClr val="lt1"/>
-          </a:fontRef>
-        </p:style>
-        <p:txBody>
-          <a:bodyPr rtlCol="0" anchor="ctr"/>
-          <a:lstStyle/>
-          <a:p>
-            <a:pPr algn="ctr"/>
-          </a:p>
-        </p:txBody>
-      </p:sp>
-      <p:sp>
-        <p:nvSpPr>
-          <p:cNvPr id="32" name="Rounded Rectangle 31"/>
+          <p:cNvPr id="14" name="Col_span4_off0"/>
           <p:cNvSpPr/>
           <p:nvPr/>
         </p:nvSpPr>
@@ -4403,7 +3629,7 @@
       </p:sp>
       <p:sp>
         <p:nvSpPr>
-          <p:cNvPr id="33" name="TextBox 32"/>
+          <p:cNvPr id="15" name="TextBox 14"/>
           <p:cNvSpPr txBox="1"/>
           <p:nvPr/>
         </p:nvSpPr>
@@ -4438,50 +3664,7 @@
       </p:sp>
       <p:sp>
         <p:nvSpPr>
-          <p:cNvPr id="34" name="Rectangle 33"/>
-          <p:cNvSpPr/>
-          <p:nvPr/>
-        </p:nvSpPr>
-        <p:spPr>
-          <a:xfrm>
-            <a:off x="8014402" y="2103120"/>
-            <a:ext cx="1719241" cy="1645920"/>
-          </a:xfrm>
-          <a:prstGeom prst="rect">
-            <a:avLst/>
-          </a:prstGeom>
-          <a:noFill/>
-          <a:ln w="18288">
-            <a:solidFill>
-              <a:srgbClr val="2255AA"/>
-            </a:solidFill>
-          </a:ln>
-        </p:spPr>
-        <p:style>
-          <a:lnRef idx="1">
-            <a:schemeClr val="accent1"/>
-          </a:lnRef>
-          <a:fillRef idx="3">
-            <a:schemeClr val="accent1"/>
-          </a:fillRef>
-          <a:effectRef idx="2">
-            <a:schemeClr val="accent1"/>
-          </a:effectRef>
-          <a:fontRef idx="minor">
-            <a:schemeClr val="lt1"/>
-          </a:fontRef>
-        </p:style>
-        <p:txBody>
-          <a:bodyPr rtlCol="0" anchor="ctr"/>
-          <a:lstStyle/>
-          <a:p>
-            <a:pPr algn="ctr"/>
-          </a:p>
-        </p:txBody>
-      </p:sp>
-      <p:sp>
-        <p:nvSpPr>
-          <p:cNvPr id="35" name="Rounded Rectangle 34"/>
+          <p:cNvPr id="16" name="Col_span4_off0"/>
           <p:cNvSpPr/>
           <p:nvPr/>
         </p:nvSpPr>
@@ -4528,7 +3711,7 @@
       </p:sp>
       <p:sp>
         <p:nvSpPr>
-          <p:cNvPr id="36" name="TextBox 35"/>
+          <p:cNvPr id="17" name="TextBox 16"/>
           <p:cNvSpPr txBox="1"/>
           <p:nvPr/>
         </p:nvSpPr>
@@ -4558,49 +3741,6 @@
             <a:r>
               <a:t>col:4 off:0</a:t>
             </a:r>
-          </a:p>
-        </p:txBody>
-      </p:sp>
-      <p:sp>
-        <p:nvSpPr>
-          <p:cNvPr id="37" name="Rectangle 36"/>
-          <p:cNvSpPr/>
-          <p:nvPr/>
-        </p:nvSpPr>
-        <p:spPr>
-          <a:xfrm>
-            <a:off x="9832373" y="2103120"/>
-            <a:ext cx="1719241" cy="1645920"/>
-          </a:xfrm>
-          <a:prstGeom prst="rect">
-            <a:avLst/>
-          </a:prstGeom>
-          <a:noFill/>
-          <a:ln w="18288">
-            <a:solidFill>
-              <a:srgbClr val="2255AA"/>
-            </a:solidFill>
-          </a:ln>
-        </p:spPr>
-        <p:style>
-          <a:lnRef idx="1">
-            <a:schemeClr val="accent1"/>
-          </a:lnRef>
-          <a:fillRef idx="3">
-            <a:schemeClr val="accent1"/>
-          </a:fillRef>
-          <a:effectRef idx="2">
-            <a:schemeClr val="accent1"/>
-          </a:effectRef>
-          <a:fontRef idx="minor">
-            <a:schemeClr val="lt1"/>
-          </a:fontRef>
-        </p:style>
-        <p:txBody>
-          <a:bodyPr rtlCol="0" anchor="ctr"/>
-          <a:lstStyle/>
-          <a:p>
-            <a:pPr algn="ctr"/>
           </a:p>
         </p:txBody>
       </p:sp>
